--- a/team_procameramen (1).pptx
+++ b/team_procameramen (1).pptx
@@ -222,7 +222,7 @@
           <a:p>
             <a:fld id="{4611486A-7EFF-49F0-847C-9907BAA9F43F}" type="datetimeFigureOut">
               <a:rPr lang="en-US" smtClean="0"/>
-              <a:t>5/2/2020</a:t>
+              <a:t>5/3/2020</a:t>
             </a:fld>
             <a:endParaRPr lang="en-US"/>
           </a:p>
@@ -754,7 +754,7 @@
           <a:p>
             <a:fld id="{339ACE34-028F-4EBD-A454-C63BA839E47D}" type="datetimeFigureOut">
               <a:rPr lang="en-US" smtClean="0"/>
-              <a:t>5/2/2020</a:t>
+              <a:t>5/3/2020</a:t>
             </a:fld>
             <a:endParaRPr lang="en-US"/>
           </a:p>
@@ -952,7 +952,7 @@
           <a:p>
             <a:fld id="{339ACE34-028F-4EBD-A454-C63BA839E47D}" type="datetimeFigureOut">
               <a:rPr lang="en-US" smtClean="0"/>
-              <a:t>5/2/2020</a:t>
+              <a:t>5/3/2020</a:t>
             </a:fld>
             <a:endParaRPr lang="en-US"/>
           </a:p>
@@ -1160,7 +1160,7 @@
           <a:p>
             <a:fld id="{339ACE34-028F-4EBD-A454-C63BA839E47D}" type="datetimeFigureOut">
               <a:rPr lang="en-US" smtClean="0"/>
-              <a:t>5/2/2020</a:t>
+              <a:t>5/3/2020</a:t>
             </a:fld>
             <a:endParaRPr lang="en-US"/>
           </a:p>
@@ -1364,7 +1364,7 @@
           <a:p>
             <a:fld id="{A08CC2A2-2153-4822-AAF2-4E3B55C4F594}" type="datetimeFigureOut">
               <a:rPr lang="en-US" smtClean="0"/>
-              <a:t>5/2/2020</a:t>
+              <a:t>5/3/2020</a:t>
             </a:fld>
             <a:endParaRPr lang="en-US"/>
           </a:p>
@@ -1534,7 +1534,7 @@
           <a:p>
             <a:fld id="{A08CC2A2-2153-4822-AAF2-4E3B55C4F594}" type="datetimeFigureOut">
               <a:rPr lang="en-US" smtClean="0"/>
-              <a:t>5/2/2020</a:t>
+              <a:t>5/3/2020</a:t>
             </a:fld>
             <a:endParaRPr lang="en-US"/>
           </a:p>
@@ -1780,7 +1780,7 @@
           <a:p>
             <a:fld id="{A08CC2A2-2153-4822-AAF2-4E3B55C4F594}" type="datetimeFigureOut">
               <a:rPr lang="en-US" smtClean="0"/>
-              <a:t>5/2/2020</a:t>
+              <a:t>5/3/2020</a:t>
             </a:fld>
             <a:endParaRPr lang="en-US"/>
           </a:p>
@@ -2012,7 +2012,7 @@
           <a:p>
             <a:fld id="{A08CC2A2-2153-4822-AAF2-4E3B55C4F594}" type="datetimeFigureOut">
               <a:rPr lang="en-US" smtClean="0"/>
-              <a:t>5/2/2020</a:t>
+              <a:t>5/3/2020</a:t>
             </a:fld>
             <a:endParaRPr lang="en-US"/>
           </a:p>
@@ -2379,7 +2379,7 @@
           <a:p>
             <a:fld id="{A08CC2A2-2153-4822-AAF2-4E3B55C4F594}" type="datetimeFigureOut">
               <a:rPr lang="en-US" smtClean="0"/>
-              <a:t>5/2/2020</a:t>
+              <a:t>5/3/2020</a:t>
             </a:fld>
             <a:endParaRPr lang="en-US"/>
           </a:p>
@@ -2497,7 +2497,7 @@
           <a:p>
             <a:fld id="{A08CC2A2-2153-4822-AAF2-4E3B55C4F594}" type="datetimeFigureOut">
               <a:rPr lang="en-US" smtClean="0"/>
-              <a:t>5/2/2020</a:t>
+              <a:t>5/3/2020</a:t>
             </a:fld>
             <a:endParaRPr lang="en-US"/>
           </a:p>
@@ -2592,7 +2592,7 @@
           <a:p>
             <a:fld id="{A08CC2A2-2153-4822-AAF2-4E3B55C4F594}" type="datetimeFigureOut">
               <a:rPr lang="en-US" smtClean="0"/>
-              <a:t>5/2/2020</a:t>
+              <a:t>5/3/2020</a:t>
             </a:fld>
             <a:endParaRPr lang="en-US"/>
           </a:p>
@@ -2869,7 +2869,7 @@
           <a:p>
             <a:fld id="{A08CC2A2-2153-4822-AAF2-4E3B55C4F594}" type="datetimeFigureOut">
               <a:rPr lang="en-US" smtClean="0"/>
-              <a:t>5/2/2020</a:t>
+              <a:t>5/3/2020</a:t>
             </a:fld>
             <a:endParaRPr lang="en-US"/>
           </a:p>
@@ -3055,7 +3055,7 @@
           <a:p>
             <a:fld id="{339ACE34-028F-4EBD-A454-C63BA839E47D}" type="datetimeFigureOut">
               <a:rPr lang="en-US" smtClean="0"/>
-              <a:t>5/2/2020</a:t>
+              <a:t>5/3/2020</a:t>
             </a:fld>
             <a:endParaRPr lang="en-US"/>
           </a:p>
@@ -3324,7 +3324,7 @@
           <a:p>
             <a:fld id="{A08CC2A2-2153-4822-AAF2-4E3B55C4F594}" type="datetimeFigureOut">
               <a:rPr lang="en-US" smtClean="0"/>
-              <a:t>5/2/2020</a:t>
+              <a:t>5/3/2020</a:t>
             </a:fld>
             <a:endParaRPr lang="en-US"/>
           </a:p>
@@ -3494,7 +3494,7 @@
           <a:p>
             <a:fld id="{A08CC2A2-2153-4822-AAF2-4E3B55C4F594}" type="datetimeFigureOut">
               <a:rPr lang="en-US" smtClean="0"/>
-              <a:t>5/2/2020</a:t>
+              <a:t>5/3/2020</a:t>
             </a:fld>
             <a:endParaRPr lang="en-US"/>
           </a:p>
@@ -3674,7 +3674,7 @@
           <a:p>
             <a:fld id="{A08CC2A2-2153-4822-AAF2-4E3B55C4F594}" type="datetimeFigureOut">
               <a:rPr lang="en-US" smtClean="0"/>
-              <a:t>5/2/2020</a:t>
+              <a:t>5/3/2020</a:t>
             </a:fld>
             <a:endParaRPr lang="en-US"/>
           </a:p>
@@ -3921,7 +3921,7 @@
           <a:p>
             <a:fld id="{4AAD347D-5ACD-4C99-B74B-A9C85AD731AF}" type="datetimeFigureOut">
               <a:rPr lang="en-US" dirty="0"/>
-              <a:t>5/2/2020</a:t>
+              <a:t>5/3/2020</a:t>
             </a:fld>
             <a:endParaRPr lang="en-US" dirty="0"/>
           </a:p>
@@ -4093,7 +4093,7 @@
           <a:p>
             <a:fld id="{4509A250-FF31-4206-8172-F9D3106AACB1}" type="datetimeFigureOut">
               <a:rPr lang="en-US" dirty="0"/>
-              <a:t>5/2/2020</a:t>
+              <a:t>5/3/2020</a:t>
             </a:fld>
             <a:endParaRPr lang="en-US" dirty="0"/>
           </a:p>
@@ -4342,7 +4342,7 @@
           <a:p>
             <a:fld id="{9796027F-7875-4030-9381-8BD8C4F21935}" type="datetimeFigureOut">
               <a:rPr lang="en-US" dirty="0"/>
-              <a:t>5/2/2020</a:t>
+              <a:t>5/3/2020</a:t>
             </a:fld>
             <a:endParaRPr lang="en-US" dirty="0"/>
           </a:p>
@@ -4636,7 +4636,7 @@
           <a:p>
             <a:fld id="{9796027F-7875-4030-9381-8BD8C4F21935}" type="datetimeFigureOut">
               <a:rPr lang="en-US" dirty="0"/>
-              <a:t>5/2/2020</a:t>
+              <a:t>5/3/2020</a:t>
             </a:fld>
             <a:endParaRPr lang="en-US" dirty="0"/>
           </a:p>
@@ -5082,7 +5082,7 @@
           <a:p>
             <a:fld id="{9796027F-7875-4030-9381-8BD8C4F21935}" type="datetimeFigureOut">
               <a:rPr lang="en-US" dirty="0"/>
-              <a:t>5/2/2020</a:t>
+              <a:t>5/3/2020</a:t>
             </a:fld>
             <a:endParaRPr lang="en-US" dirty="0"/>
           </a:p>
@@ -5202,7 +5202,7 @@
           <a:p>
             <a:fld id="{4509A250-FF31-4206-8172-F9D3106AACB1}" type="datetimeFigureOut">
               <a:rPr lang="en-US" dirty="0"/>
-              <a:t>5/2/2020</a:t>
+              <a:t>5/3/2020</a:t>
             </a:fld>
             <a:endParaRPr lang="en-US" dirty="0"/>
           </a:p>
@@ -5299,7 +5299,7 @@
           <a:p>
             <a:fld id="{4509A250-FF31-4206-8172-F9D3106AACB1}" type="datetimeFigureOut">
               <a:rPr lang="en-US" dirty="0"/>
-              <a:t>5/2/2020</a:t>
+              <a:t>5/3/2020</a:t>
             </a:fld>
             <a:endParaRPr lang="en-US" dirty="0"/>
           </a:p>
@@ -5563,7 +5563,7 @@
           <a:p>
             <a:fld id="{339ACE34-028F-4EBD-A454-C63BA839E47D}" type="datetimeFigureOut">
               <a:rPr lang="en-US" smtClean="0"/>
-              <a:t>5/2/2020</a:t>
+              <a:t>5/3/2020</a:t>
             </a:fld>
             <a:endParaRPr lang="en-US"/>
           </a:p>
@@ -5854,7 +5854,7 @@
           <a:p>
             <a:fld id="{4509A250-FF31-4206-8172-F9D3106AACB1}" type="datetimeFigureOut">
               <a:rPr lang="en-US" dirty="0"/>
-              <a:t>5/2/2020</a:t>
+              <a:t>5/3/2020</a:t>
             </a:fld>
             <a:endParaRPr lang="en-US" dirty="0"/>
           </a:p>
@@ -6131,7 +6131,7 @@
           <a:p>
             <a:fld id="{4509A250-FF31-4206-8172-F9D3106AACB1}" type="datetimeFigureOut">
               <a:rPr lang="en-US" dirty="0"/>
-              <a:t>5/2/2020</a:t>
+              <a:t>5/3/2020</a:t>
             </a:fld>
             <a:endParaRPr lang="en-US" dirty="0"/>
           </a:p>
@@ -6408,7 +6408,7 @@
           <a:p>
             <a:fld id="{4509A250-FF31-4206-8172-F9D3106AACB1}" type="datetimeFigureOut">
               <a:rPr lang="en-US" dirty="0"/>
-              <a:t>5/2/2020</a:t>
+              <a:t>5/3/2020</a:t>
             </a:fld>
             <a:endParaRPr lang="en-US" dirty="0"/>
           </a:p>
@@ -6604,7 +6604,7 @@
           <a:p>
             <a:fld id="{4509A250-FF31-4206-8172-F9D3106AACB1}" type="datetimeFigureOut">
               <a:rPr lang="en-US" dirty="0"/>
-              <a:t>5/2/2020</a:t>
+              <a:t>5/3/2020</a:t>
             </a:fld>
             <a:endParaRPr lang="en-US" dirty="0"/>
           </a:p>
@@ -6879,7 +6879,7 @@
           <a:p>
             <a:fld id="{4509A250-FF31-4206-8172-F9D3106AACB1}" type="datetimeFigureOut">
               <a:rPr lang="en-US" dirty="0"/>
-              <a:t>5/2/2020</a:t>
+              <a:t>5/3/2020</a:t>
             </a:fld>
             <a:endParaRPr lang="en-US" dirty="0"/>
           </a:p>
@@ -7222,7 +7222,7 @@
           <a:p>
             <a:fld id="{4509A250-FF31-4206-8172-F9D3106AACB1}" type="datetimeFigureOut">
               <a:rPr lang="en-US" dirty="0"/>
-              <a:t>5/2/2020</a:t>
+              <a:t>5/3/2020</a:t>
             </a:fld>
             <a:endParaRPr lang="en-US" dirty="0"/>
           </a:p>
@@ -7847,7 +7847,7 @@
           <a:p>
             <a:fld id="{4509A250-FF31-4206-8172-F9D3106AACB1}" type="datetimeFigureOut">
               <a:rPr lang="en-US" dirty="0"/>
-              <a:t>5/2/2020</a:t>
+              <a:t>5/3/2020</a:t>
             </a:fld>
             <a:endParaRPr lang="en-US" dirty="0"/>
           </a:p>
@@ -8709,7 +8709,7 @@
           <a:p>
             <a:fld id="{4509A250-FF31-4206-8172-F9D3106AACB1}" type="datetimeFigureOut">
               <a:rPr lang="en-US" dirty="0"/>
-              <a:t>5/2/2020</a:t>
+              <a:t>5/3/2020</a:t>
             </a:fld>
             <a:endParaRPr lang="en-US" dirty="0"/>
           </a:p>
@@ -8881,7 +8881,7 @@
           <a:p>
             <a:fld id="{4509A250-FF31-4206-8172-F9D3106AACB1}" type="datetimeFigureOut">
               <a:rPr lang="en-US" dirty="0"/>
-              <a:t>5/2/2020</a:t>
+              <a:t>5/3/2020</a:t>
             </a:fld>
             <a:endParaRPr lang="en-US" dirty="0"/>
           </a:p>
@@ -9063,7 +9063,7 @@
           <a:p>
             <a:fld id="{4509A250-FF31-4206-8172-F9D3106AACB1}" type="datetimeFigureOut">
               <a:rPr lang="en-US" dirty="0"/>
-              <a:t>5/2/2020</a:t>
+              <a:t>5/3/2020</a:t>
             </a:fld>
             <a:endParaRPr lang="en-US" dirty="0"/>
           </a:p>
@@ -9318,7 +9318,7 @@
           <a:p>
             <a:fld id="{339ACE34-028F-4EBD-A454-C63BA839E47D}" type="datetimeFigureOut">
               <a:rPr lang="en-US" smtClean="0"/>
-              <a:t>5/2/2020</a:t>
+              <a:t>5/3/2020</a:t>
             </a:fld>
             <a:endParaRPr lang="en-US"/>
           </a:p>
@@ -9958,7 +9958,7 @@
           <a:p>
             <a:fld id="{339ACE34-028F-4EBD-A454-C63BA839E47D}" type="datetimeFigureOut">
               <a:rPr lang="en-US" smtClean="0"/>
-              <a:t>5/2/2020</a:t>
+              <a:t>5/3/2020</a:t>
             </a:fld>
             <a:endParaRPr lang="en-US"/>
           </a:p>
@@ -10099,7 +10099,7 @@
           <a:p>
             <a:fld id="{339ACE34-028F-4EBD-A454-C63BA839E47D}" type="datetimeFigureOut">
               <a:rPr lang="en-US" smtClean="0"/>
-              <a:t>5/2/2020</a:t>
+              <a:t>5/3/2020</a:t>
             </a:fld>
             <a:endParaRPr lang="en-US"/>
           </a:p>
@@ -10212,7 +10212,7 @@
           <a:p>
             <a:fld id="{339ACE34-028F-4EBD-A454-C63BA839E47D}" type="datetimeFigureOut">
               <a:rPr lang="en-US" smtClean="0"/>
-              <a:t>5/2/2020</a:t>
+              <a:t>5/3/2020</a:t>
             </a:fld>
             <a:endParaRPr lang="en-US"/>
           </a:p>
@@ -10523,7 +10523,7 @@
           <a:p>
             <a:fld id="{339ACE34-028F-4EBD-A454-C63BA839E47D}" type="datetimeFigureOut">
               <a:rPr lang="en-US" smtClean="0"/>
-              <a:t>5/2/2020</a:t>
+              <a:t>5/3/2020</a:t>
             </a:fld>
             <a:endParaRPr lang="en-US"/>
           </a:p>
@@ -10811,7 +10811,7 @@
           <a:p>
             <a:fld id="{339ACE34-028F-4EBD-A454-C63BA839E47D}" type="datetimeFigureOut">
               <a:rPr lang="en-US" smtClean="0"/>
-              <a:t>5/2/2020</a:t>
+              <a:t>5/3/2020</a:t>
             </a:fld>
             <a:endParaRPr lang="en-US"/>
           </a:p>
@@ -11052,7 +11052,7 @@
           <a:p>
             <a:fld id="{339ACE34-028F-4EBD-A454-C63BA839E47D}" type="datetimeFigureOut">
               <a:rPr lang="en-US" smtClean="0"/>
-              <a:t>5/2/2020</a:t>
+              <a:t>5/3/2020</a:t>
             </a:fld>
             <a:endParaRPr lang="en-US"/>
           </a:p>
@@ -11604,7 +11604,7 @@
           <a:p>
             <a:fld id="{A08CC2A2-2153-4822-AAF2-4E3B55C4F594}" type="datetimeFigureOut">
               <a:rPr lang="en-US" smtClean="0"/>
-              <a:t>5/2/2020</a:t>
+              <a:t>5/3/2020</a:t>
             </a:fld>
             <a:endParaRPr lang="en-US"/>
           </a:p>
@@ -12496,7 +12496,7 @@
           <a:p>
             <a:fld id="{339ACE34-028F-4EBD-A454-C63BA839E47D}" type="datetimeFigureOut">
               <a:rPr lang="en-US" smtClean="0"/>
-              <a:t>5/2/2020</a:t>
+              <a:t>5/3/2020</a:t>
             </a:fld>
             <a:endParaRPr lang="en-US"/>
           </a:p>
@@ -14659,8 +14659,8 @@
         </p:nvSpPr>
         <p:spPr>
           <a:xfrm>
-            <a:off x="973394" y="3099620"/>
-            <a:ext cx="3251595" cy="1963993"/>
+            <a:off x="498765" y="2970310"/>
+            <a:ext cx="5172362" cy="3384308"/>
           </a:xfrm>
           <a:prstGeom prst="ellipse">
             <a:avLst/>
@@ -14737,6 +14737,49 @@
           </a:p>
           <a:p>
             <a:r>
+              <a:rPr lang="en-US" altLang="zh-CN" b="1" dirty="0">
+                <a:solidFill>
+                  <a:schemeClr val="bg1"/>
+                </a:solidFill>
+                <a:highlight>
+                  <a:srgbClr val="C0C0C0"/>
+                </a:highlight>
+              </a:rPr>
+              <a:t>Finding </a:t>
+            </a:r>
+            <a:r>
+              <a:rPr lang="en-US" altLang="zh-CN" b="1" dirty="0" err="1">
+                <a:solidFill>
+                  <a:schemeClr val="bg1"/>
+                </a:solidFill>
+                <a:highlight>
+                  <a:srgbClr val="C0C0C0"/>
+                </a:highlight>
+              </a:rPr>
+              <a:t>Homography</a:t>
+            </a:r>
+            <a:r>
+              <a:rPr lang="en-US" altLang="zh-CN" b="1" dirty="0">
+                <a:solidFill>
+                  <a:schemeClr val="bg1"/>
+                </a:solidFill>
+                <a:highlight>
+                  <a:srgbClr val="C0C0C0"/>
+                </a:highlight>
+              </a:rPr>
+              <a:t> Matrix</a:t>
+            </a:r>
+            <a:endParaRPr lang="en-US" b="1" dirty="0">
+              <a:solidFill>
+                <a:schemeClr val="bg1"/>
+              </a:solidFill>
+              <a:highlight>
+                <a:srgbClr val="C0C0C0"/>
+              </a:highlight>
+            </a:endParaRPr>
+          </a:p>
+          <a:p>
+            <a:r>
               <a:rPr lang="en-US" b="1" dirty="0">
                 <a:solidFill>
                   <a:schemeClr val="bg1"/>
@@ -14745,7 +14788,39 @@
                   <a:srgbClr val="C0C0C0"/>
                 </a:highlight>
               </a:rPr>
-              <a:t>Mapping and Combining images</a:t>
+              <a:t>Source image </a:t>
+            </a:r>
+            <a:r>
+              <a:rPr lang="en-US" b="1" dirty="0" err="1">
+                <a:solidFill>
+                  <a:schemeClr val="bg1"/>
+                </a:solidFill>
+                <a:highlight>
+                  <a:srgbClr val="C0C0C0"/>
+                </a:highlight>
+              </a:rPr>
+              <a:t>transfermation</a:t>
+            </a:r>
+            <a:endParaRPr lang="en-US" b="1" dirty="0">
+              <a:solidFill>
+                <a:schemeClr val="bg1"/>
+              </a:solidFill>
+              <a:highlight>
+                <a:srgbClr val="C0C0C0"/>
+              </a:highlight>
+            </a:endParaRPr>
+          </a:p>
+          <a:p>
+            <a:r>
+              <a:rPr lang="en-US" b="1" dirty="0">
+                <a:solidFill>
+                  <a:schemeClr val="bg1"/>
+                </a:solidFill>
+                <a:highlight>
+                  <a:srgbClr val="C0C0C0"/>
+                </a:highlight>
+              </a:rPr>
+              <a:t>Image mapping and stitching</a:t>
             </a:r>
           </a:p>
           <a:p>
